--- a/e61 Projects/Presentations/What are capital gains.pptx
+++ b/e61 Projects/Presentations/What are capital gains.pptx
@@ -246,7 +246,7 @@
           <a:p>
             <a:fld id="{60F87968-E7C3-4FA2-86D7-7CFDDCA2896A}" type="datetimeFigureOut">
               <a:rPr lang="en-US" smtClean="0"/>
-              <a:t>2/12/2026</a:t>
+              <a:t>2/13/2026</a:t>
             </a:fld>
             <a:endParaRPr lang="en-US"/>
           </a:p>
@@ -423,7 +423,7 @@
           <a:p>
             <a:fld id="{B416A7BE-E113-476D-8DE0-A6138461ACE1}" type="datetimeFigureOut">
               <a:rPr lang="en-US" smtClean="0"/>
-              <a:t>2/12/2026</a:t>
+              <a:t>2/13/2026</a:t>
             </a:fld>
             <a:endParaRPr lang="en-US"/>
           </a:p>
@@ -23633,8 +23633,8 @@
           </a:p>
         </p:txBody>
       </p:sp>
-      <mc:AlternateContent xmlns:mc="http://schemas.openxmlformats.org/markup-compatibility/2006">
-        <mc:Choice xmlns:a14="http://schemas.microsoft.com/office/drawing/2010/main" Requires="a14">
+      <mc:AlternateContent xmlns:mc="http://schemas.openxmlformats.org/markup-compatibility/2006" xmlns:a14="http://schemas.microsoft.com/office/drawing/2010/main">
+        <mc:Choice Requires="a14">
           <p:sp>
             <p:nvSpPr>
               <p:cNvPr id="4" name="TextBox 3">
@@ -23663,6 +23663,7 @@
               </a:bodyPr>
               <a:lstStyle/>
               <a:p>
+                <a:pPr/>
                 <a14:m>
                   <m:oMathPara xmlns:m="http://schemas.openxmlformats.org/officeDocument/2006/math">
                     <m:oMathParaPr>
@@ -23708,7 +23709,7 @@
             </p:txBody>
           </p:sp>
         </mc:Choice>
-        <mc:Fallback>
+        <mc:Fallback xmlns="">
           <p:sp>
             <p:nvSpPr>
               <p:cNvPr id="4" name="TextBox 3">
@@ -23993,7 +23994,7 @@
         <p:spPr>
           <a:xfrm>
             <a:off x="3936019" y="4348403"/>
-            <a:ext cx="6205895" cy="671915"/>
+            <a:ext cx="6205895" cy="968278"/>
           </a:xfrm>
           <a:prstGeom prst="rect">
             <a:avLst/>
@@ -24021,7 +24022,24 @@
                 <a:ea typeface="Calibri" panose="020F0502020204030204" pitchFamily="34" charset="0"/>
                 <a:cs typeface="Times New Roman" panose="02020603050405020304" pitchFamily="18" charset="0"/>
               </a:rPr>
-              <a:t>Aguiar, Moll, and Scheuer (2024) found this concept was closer to our concept of welfare than the standard economist concept.</a:t>
+              <a:t>Aguiar, Moll, and Scheuer (2024) found this concept (after treatin</a:t>
+            </a:r>
+            <a:r>
+              <a:rPr lang="en-AU" kern="100" dirty="0">
+                <a:latin typeface="Calibri" panose="020F0502020204030204" pitchFamily="34" charset="0"/>
+                <a:ea typeface="Calibri" panose="020F0502020204030204" pitchFamily="34" charset="0"/>
+                <a:cs typeface="Times New Roman" panose="02020603050405020304" pitchFamily="18" charset="0"/>
+              </a:rPr>
+              <a:t>g inflation as an expense)</a:t>
+            </a:r>
+            <a:r>
+              <a:rPr lang="en-AU" sz="1800" kern="100" dirty="0">
+                <a:effectLst/>
+                <a:latin typeface="Calibri" panose="020F0502020204030204" pitchFamily="34" charset="0"/>
+                <a:ea typeface="Calibri" panose="020F0502020204030204" pitchFamily="34" charset="0"/>
+                <a:cs typeface="Times New Roman" panose="02020603050405020304" pitchFamily="18" charset="0"/>
+              </a:rPr>
+              <a:t> was closer to our concept of welfare than the standard economist concept.</a:t>
             </a:r>
           </a:p>
         </p:txBody>
@@ -24040,7 +24058,7 @@
         </p:nvSpPr>
         <p:spPr>
           <a:xfrm>
-            <a:off x="3936018" y="5309501"/>
+            <a:off x="3936018" y="5462002"/>
             <a:ext cx="6205895" cy="968278"/>
           </a:xfrm>
           <a:prstGeom prst="rect">
@@ -31526,6 +31544,15 @@
 </file>
 
 <file path=customXml/item1.xml><?xml version="1.0" encoding="utf-8"?>
+<?mso-contentType ?>
+<FormTemplates xmlns="http://schemas.microsoft.com/sharepoint/v3/contenttype/forms">
+  <Display>DocumentLibraryForm</Display>
+  <Edit>DocumentLibraryForm</Edit>
+  <New>DocumentLibraryForm</New>
+</FormTemplates>
+</file>
+
+<file path=customXml/item2.xml><?xml version="1.0" encoding="utf-8"?>
 <p:properties xmlns:p="http://schemas.microsoft.com/office/2006/metadata/properties" xmlns:xsi="http://www.w3.org/2001/XMLSchema-instance" xmlns:pc="http://schemas.microsoft.com/office/infopath/2007/PartnerControls">
   <documentManagement>
     <TaxCatchAll xmlns="d4025935-85eb-43e8-ab32-734675053e7f" xsi:nil="true"/>
@@ -31534,15 +31561,6 @@
     </lcf76f155ced4ddcb4097134ff3c332f>
   </documentManagement>
 </p:properties>
-</file>
-
-<file path=customXml/item2.xml><?xml version="1.0" encoding="utf-8"?>
-<?mso-contentType ?>
-<FormTemplates xmlns="http://schemas.microsoft.com/sharepoint/v3/contenttype/forms">
-  <Display>DocumentLibraryForm</Display>
-  <Edit>DocumentLibraryForm</Edit>
-  <New>DocumentLibraryForm</New>
-</FormTemplates>
 </file>
 
 <file path=customXml/item3.xml><?xml version="1.0" encoding="utf-8"?>
@@ -31807,6 +31825,14 @@
 </file>
 
 <file path=customXml/itemProps1.xml><?xml version="1.0" encoding="utf-8"?>
+<ds:datastoreItem xmlns:ds="http://schemas.openxmlformats.org/officeDocument/2006/customXml" ds:itemID="{529E81E1-445C-4E91-8E35-C5BD736A3B77}">
+  <ds:schemaRefs>
+    <ds:schemaRef ds:uri="http://schemas.microsoft.com/sharepoint/v3/contenttype/forms"/>
+  </ds:schemaRefs>
+</ds:datastoreItem>
+</file>
+
+<file path=customXml/itemProps2.xml><?xml version="1.0" encoding="utf-8"?>
 <ds:datastoreItem xmlns:ds="http://schemas.openxmlformats.org/officeDocument/2006/customXml" ds:itemID="{8E36B762-179B-48EA-90B2-E74079BA15DE}">
   <ds:schemaRefs>
     <ds:schemaRef ds:uri="d4025935-85eb-43e8-ab32-734675053e7f"/>
@@ -31819,14 +31845,6 @@
     <ds:schemaRef ds:uri="http://schemas.openxmlformats.org/package/2006/metadata/core-properties"/>
     <ds:schemaRef ds:uri="http://schemas.microsoft.com/office/2006/metadata/properties"/>
     <ds:schemaRef ds:uri="http://purl.org/dc/dcmitype/"/>
-  </ds:schemaRefs>
-</ds:datastoreItem>
-</file>
-
-<file path=customXml/itemProps2.xml><?xml version="1.0" encoding="utf-8"?>
-<ds:datastoreItem xmlns:ds="http://schemas.openxmlformats.org/officeDocument/2006/customXml" ds:itemID="{529E81E1-445C-4E91-8E35-C5BD736A3B77}">
-  <ds:schemaRefs>
-    <ds:schemaRef ds:uri="http://schemas.microsoft.com/sharepoint/v3/contenttype/forms"/>
   </ds:schemaRefs>
 </ds:datastoreItem>
 </file>
